--- a/presentation_DeefinityWeatheMail .pptx
+++ b/presentation_DeefinityWeatheMail .pptx
@@ -267,6 +267,11 @@
       </a:defRPr>
     </a:lvl9pPr>
   </p:defaultTextStyle>
+  <p:extLst>
+    <p:ext uri="{EFAFB233-063F-42B5-8137-9DF3F51BA10A}">
+      <p15:sldGuideLst xmlns:p15="http://schemas.microsoft.com/office/powerpoint/2012/main"/>
+    </p:ext>
+  </p:extLst>
 </p:presentation>
 </file>
 
@@ -11770,17 +11775,29 @@
           <a:p>
             <a:pPr marL="0" indent="0"/>
             <a:r>
-              <a:rPr lang="de-DE"/>
-              <a:t>Registration/Login</a:t>
+              <a:rPr lang="de-DE" dirty="0" err="1"/>
+              <a:t>Success</a:t>
             </a:r>
+            <a:endParaRPr lang="de-DE" dirty="0"/>
           </a:p>
           <a:p>
             <a:pPr marL="0" indent="0"/>
             <a:r>
-              <a:rPr lang="de-DE"/>
-              <a:t>Automated Email Subscription</a:t>
+              <a:rPr lang="de-DE" dirty="0"/>
+              <a:t>Next </a:t>
+            </a:r>
+            <a:r>
+              <a:rPr lang="de-DE" dirty="0" err="1"/>
+              <a:t>Steps</a:t>
             </a:r>
             <a:endParaRPr lang="de-DE" dirty="0"/>
+          </a:p>
+          <a:p>
+            <a:pPr marL="0" indent="0"/>
+            <a:r>
+              <a:rPr lang="de-DE" dirty="0"/>
+              <a:t>ML</a:t>
+            </a:r>
           </a:p>
         </p:txBody>
       </p:sp>
